--- a/slide_43.pptx
+++ b/slide_43.pptx
@@ -264,7 +264,7 @@
           <a:p>
             <a:fld id="{5317422C-58FD-46E8-8C27-40405649705F}" type="datetimeFigureOut">
               <a:rPr lang="th-TH" smtClean="0"/>
-              <a:t>21/11/65</a:t>
+              <a:t>23/11/65</a:t>
             </a:fld>
             <a:endParaRPr lang="th-TH"/>
           </a:p>
@@ -434,7 +434,7 @@
           <a:p>
             <a:fld id="{5317422C-58FD-46E8-8C27-40405649705F}" type="datetimeFigureOut">
               <a:rPr lang="th-TH" smtClean="0"/>
-              <a:t>21/11/65</a:t>
+              <a:t>23/11/65</a:t>
             </a:fld>
             <a:endParaRPr lang="th-TH"/>
           </a:p>
@@ -614,7 +614,7 @@
           <a:p>
             <a:fld id="{5317422C-58FD-46E8-8C27-40405649705F}" type="datetimeFigureOut">
               <a:rPr lang="th-TH" smtClean="0"/>
-              <a:t>21/11/65</a:t>
+              <a:t>23/11/65</a:t>
             </a:fld>
             <a:endParaRPr lang="th-TH"/>
           </a:p>
@@ -784,7 +784,7 @@
           <a:p>
             <a:fld id="{5317422C-58FD-46E8-8C27-40405649705F}" type="datetimeFigureOut">
               <a:rPr lang="th-TH" smtClean="0"/>
-              <a:t>21/11/65</a:t>
+              <a:t>23/11/65</a:t>
             </a:fld>
             <a:endParaRPr lang="th-TH"/>
           </a:p>
@@ -1028,7 +1028,7 @@
           <a:p>
             <a:fld id="{5317422C-58FD-46E8-8C27-40405649705F}" type="datetimeFigureOut">
               <a:rPr lang="th-TH" smtClean="0"/>
-              <a:t>21/11/65</a:t>
+              <a:t>23/11/65</a:t>
             </a:fld>
             <a:endParaRPr lang="th-TH"/>
           </a:p>
@@ -1260,7 +1260,7 @@
           <a:p>
             <a:fld id="{5317422C-58FD-46E8-8C27-40405649705F}" type="datetimeFigureOut">
               <a:rPr lang="th-TH" smtClean="0"/>
-              <a:t>21/11/65</a:t>
+              <a:t>23/11/65</a:t>
             </a:fld>
             <a:endParaRPr lang="th-TH"/>
           </a:p>
@@ -1627,7 +1627,7 @@
           <a:p>
             <a:fld id="{5317422C-58FD-46E8-8C27-40405649705F}" type="datetimeFigureOut">
               <a:rPr lang="th-TH" smtClean="0"/>
-              <a:t>21/11/65</a:t>
+              <a:t>23/11/65</a:t>
             </a:fld>
             <a:endParaRPr lang="th-TH"/>
           </a:p>
@@ -1745,7 +1745,7 @@
           <a:p>
             <a:fld id="{5317422C-58FD-46E8-8C27-40405649705F}" type="datetimeFigureOut">
               <a:rPr lang="th-TH" smtClean="0"/>
-              <a:t>21/11/65</a:t>
+              <a:t>23/11/65</a:t>
             </a:fld>
             <a:endParaRPr lang="th-TH"/>
           </a:p>
@@ -1840,7 +1840,7 @@
           <a:p>
             <a:fld id="{5317422C-58FD-46E8-8C27-40405649705F}" type="datetimeFigureOut">
               <a:rPr lang="th-TH" smtClean="0"/>
-              <a:t>21/11/65</a:t>
+              <a:t>23/11/65</a:t>
             </a:fld>
             <a:endParaRPr lang="th-TH"/>
           </a:p>
@@ -2117,7 +2117,7 @@
           <a:p>
             <a:fld id="{5317422C-58FD-46E8-8C27-40405649705F}" type="datetimeFigureOut">
               <a:rPr lang="th-TH" smtClean="0"/>
-              <a:t>21/11/65</a:t>
+              <a:t>23/11/65</a:t>
             </a:fld>
             <a:endParaRPr lang="th-TH"/>
           </a:p>
@@ -2374,7 +2374,7 @@
           <a:p>
             <a:fld id="{5317422C-58FD-46E8-8C27-40405649705F}" type="datetimeFigureOut">
               <a:rPr lang="th-TH" smtClean="0"/>
-              <a:t>21/11/65</a:t>
+              <a:t>23/11/65</a:t>
             </a:fld>
             <a:endParaRPr lang="th-TH"/>
           </a:p>
@@ -2587,7 +2587,7 @@
           <a:p>
             <a:fld id="{5317422C-58FD-46E8-8C27-40405649705F}" type="datetimeFigureOut">
               <a:rPr lang="th-TH" smtClean="0"/>
-              <a:t>21/11/65</a:t>
+              <a:t>23/11/65</a:t>
             </a:fld>
             <a:endParaRPr lang="th-TH"/>
           </a:p>
@@ -4413,7 +4413,7 @@
         </p:nvSpPr>
         <p:spPr>
           <a:xfrm>
-            <a:off x="6144548" y="2841668"/>
+            <a:off x="5922801" y="2841668"/>
             <a:ext cx="2838092" cy="1061829"/>
           </a:xfrm>
           <a:prstGeom prst="rect">
@@ -4477,8 +4477,8 @@
         </p:nvSpPr>
         <p:spPr>
           <a:xfrm rot="5400000">
-            <a:off x="6075506" y="3063539"/>
-            <a:ext cx="256697" cy="700127"/>
+            <a:off x="5973067" y="3165977"/>
+            <a:ext cx="256697" cy="495251"/>
           </a:xfrm>
           <a:prstGeom prst="upArrow">
             <a:avLst/>
